--- a/guide/2018-Teacher-Training.pptx
+++ b/guide/2018-Teacher-Training.pptx
@@ -209,7 +209,7 @@
           <a:p>
             <a:fld id="{BEC7F16E-4C38-1E41-84AF-AA19D4DCBAA8}" type="datetimeFigureOut">
               <a:rPr lang="en-US" smtClean="0"/>
-              <a:t>1/11/18</a:t>
+              <a:t>10/14/18</a:t>
             </a:fld>
             <a:endParaRPr lang="en-US"/>
           </a:p>
@@ -742,7 +742,7 @@
           <a:p>
             <a:fld id="{3CA7CF7C-1FA5-40F9-B14A-8E1D58938A8E}" type="datetimeFigureOut">
               <a:rPr lang="en-US" smtClean="0"/>
-              <a:t>1/11/18</a:t>
+              <a:t>10/14/18</a:t>
             </a:fld>
             <a:endParaRPr lang="en-US"/>
           </a:p>
@@ -907,7 +907,7 @@
           <a:p>
             <a:fld id="{3CA7CF7C-1FA5-40F9-B14A-8E1D58938A8E}" type="datetimeFigureOut">
               <a:rPr lang="en-US" smtClean="0"/>
-              <a:t>1/11/18</a:t>
+              <a:t>10/14/18</a:t>
             </a:fld>
             <a:endParaRPr lang="en-US"/>
           </a:p>
@@ -1082,7 +1082,7 @@
           <a:p>
             <a:fld id="{3CA7CF7C-1FA5-40F9-B14A-8E1D58938A8E}" type="datetimeFigureOut">
               <a:rPr lang="en-US" smtClean="0"/>
-              <a:t>1/11/18</a:t>
+              <a:t>10/14/18</a:t>
             </a:fld>
             <a:endParaRPr lang="en-US"/>
           </a:p>
@@ -1247,7 +1247,7 @@
           <a:p>
             <a:fld id="{3CA7CF7C-1FA5-40F9-B14A-8E1D58938A8E}" type="datetimeFigureOut">
               <a:rPr lang="en-US" smtClean="0"/>
-              <a:t>1/11/18</a:t>
+              <a:t>10/14/18</a:t>
             </a:fld>
             <a:endParaRPr lang="en-US"/>
           </a:p>
@@ -1488,7 +1488,7 @@
           <a:p>
             <a:fld id="{3CA7CF7C-1FA5-40F9-B14A-8E1D58938A8E}" type="datetimeFigureOut">
               <a:rPr lang="en-US" smtClean="0"/>
-              <a:t>1/11/18</a:t>
+              <a:t>10/14/18</a:t>
             </a:fld>
             <a:endParaRPr lang="en-US"/>
           </a:p>
@@ -1771,7 +1771,7 @@
           <a:p>
             <a:fld id="{3CA7CF7C-1FA5-40F9-B14A-8E1D58938A8E}" type="datetimeFigureOut">
               <a:rPr lang="en-US" smtClean="0"/>
-              <a:t>1/11/18</a:t>
+              <a:t>10/14/18</a:t>
             </a:fld>
             <a:endParaRPr lang="en-US"/>
           </a:p>
@@ -2193,7 +2193,7 @@
           <a:p>
             <a:fld id="{3CA7CF7C-1FA5-40F9-B14A-8E1D58938A8E}" type="datetimeFigureOut">
               <a:rPr lang="en-US" smtClean="0"/>
-              <a:t>1/11/18</a:t>
+              <a:t>10/14/18</a:t>
             </a:fld>
             <a:endParaRPr lang="en-US"/>
           </a:p>
@@ -2306,7 +2306,7 @@
           <a:p>
             <a:fld id="{3CA7CF7C-1FA5-40F9-B14A-8E1D58938A8E}" type="datetimeFigureOut">
               <a:rPr lang="en-US" smtClean="0"/>
-              <a:t>1/11/18</a:t>
+              <a:t>10/14/18</a:t>
             </a:fld>
             <a:endParaRPr lang="en-US"/>
           </a:p>
@@ -2396,7 +2396,7 @@
           <a:p>
             <a:fld id="{3CA7CF7C-1FA5-40F9-B14A-8E1D58938A8E}" type="datetimeFigureOut">
               <a:rPr lang="en-US" smtClean="0"/>
-              <a:t>1/11/18</a:t>
+              <a:t>10/14/18</a:t>
             </a:fld>
             <a:endParaRPr lang="en-US"/>
           </a:p>
@@ -2668,7 +2668,7 @@
           <a:p>
             <a:fld id="{3CA7CF7C-1FA5-40F9-B14A-8E1D58938A8E}" type="datetimeFigureOut">
               <a:rPr lang="en-US" smtClean="0"/>
-              <a:t>1/11/18</a:t>
+              <a:t>10/14/18</a:t>
             </a:fld>
             <a:endParaRPr lang="en-US"/>
           </a:p>
@@ -2916,7 +2916,7 @@
           <a:p>
             <a:fld id="{3CA7CF7C-1FA5-40F9-B14A-8E1D58938A8E}" type="datetimeFigureOut">
               <a:rPr lang="en-US" smtClean="0"/>
-              <a:t>1/11/18</a:t>
+              <a:t>10/14/18</a:t>
             </a:fld>
             <a:endParaRPr lang="en-US"/>
           </a:p>
@@ -3124,7 +3124,7 @@
           <a:p>
             <a:fld id="{3CA7CF7C-1FA5-40F9-B14A-8E1D58938A8E}" type="datetimeFigureOut">
               <a:rPr lang="en-US" smtClean="0"/>
-              <a:t>1/11/18</a:t>
+              <a:t>10/14/18</a:t>
             </a:fld>
             <a:endParaRPr lang="en-US"/>
           </a:p>
@@ -3519,11 +3519,7 @@
             <a:pPr marL="742950" indent="-742950"/>
             <a:r>
               <a:rPr lang="en-US" sz="2400" b="1" dirty="0" smtClean="0"/>
-              <a:t>2018 Moving Rainbow </a:t>
-            </a:r>
-            <a:r>
-              <a:rPr lang="en-US" sz="2400" b="1" dirty="0" smtClean="0"/>
-              <a:t>LED Kit</a:t>
+              <a:t>2018 Moving Rainbow LED Kit</a:t>
             </a:r>
             <a:endParaRPr lang="en-US" sz="2400" dirty="0"/>
           </a:p>
@@ -3837,11 +3833,7 @@
               </a:pPr>
               <a:r>
                 <a:rPr lang="en-US" sz="1200" dirty="0" smtClean="0"/>
-                <a:t>USB </a:t>
-              </a:r>
-              <a:r>
-                <a:rPr lang="en-US" sz="1200" dirty="0" smtClean="0"/>
-                <a:t>cable (mini-b)</a:t>
+                <a:t>USB cable (mini-b)</a:t>
               </a:r>
             </a:p>
             <a:p>
@@ -3861,13 +3853,8 @@
               </a:pPr>
               <a:r>
                 <a:rPr lang="en-US" sz="1200" dirty="0" smtClean="0"/>
-                <a:t>Momentary push buttons and </a:t>
-              </a:r>
-              <a:r>
-                <a:rPr lang="en-US" sz="1200" dirty="0" smtClean="0"/>
-                <a:t>wire</a:t>
-              </a:r>
-              <a:endParaRPr lang="en-US" sz="1200" dirty="0" smtClean="0"/>
+                <a:t>Momentary push buttons and wire</a:t>
+              </a:r>
             </a:p>
           </p:txBody>
         </p:sp>
@@ -5188,7 +5175,25 @@
                 <a:rPr lang="en-US" sz="1200" dirty="0" smtClean="0">
                   <a:latin typeface="Arial Narrow" pitchFamily="34" charset="0"/>
                 </a:rPr>
-                <a:t>#define NUMBER_PIXELS 30 /</a:t>
+                <a:t>#define </a:t>
+              </a:r>
+              <a:r>
+                <a:rPr lang="en-US" sz="1200" smtClean="0">
+                  <a:latin typeface="Arial Narrow" pitchFamily="34" charset="0"/>
+                </a:rPr>
+                <a:t>NUMBER_PIXELS </a:t>
+              </a:r>
+              <a:r>
+                <a:rPr lang="en-US" sz="1200" smtClean="0">
+                  <a:latin typeface="Arial Narrow" pitchFamily="34" charset="0"/>
+                </a:rPr>
+                <a:t>60 </a:t>
+              </a:r>
+              <a:r>
+                <a:rPr lang="en-US" sz="1200" dirty="0" smtClean="0">
+                  <a:latin typeface="Arial Narrow" pitchFamily="34" charset="0"/>
+                </a:rPr>
+                <a:t>/</a:t>
               </a:r>
               <a:r>
                 <a:rPr lang="en-US" sz="1200" dirty="0">
@@ -6359,7 +6364,6 @@
                 <a:rPr lang="en-US" sz="1200" dirty="0" smtClean="0"/>
                 <a:t>Can you change the color of the first pixel (red, green, blue)</a:t>
               </a:r>
-              <a:endParaRPr lang="en-US" sz="1200" dirty="0" smtClean="0"/>
             </a:p>
             <a:p>
               <a:pPr marL="342900" indent="-342900">
@@ -6368,11 +6372,7 @@
               </a:pPr>
               <a:r>
                 <a:rPr lang="en-US" sz="1200" dirty="0" smtClean="0"/>
-                <a:t>Run </a:t>
-              </a:r>
-              <a:r>
-                <a:rPr lang="en-US" sz="1200" dirty="0" smtClean="0"/>
-                <a:t>NeoPixel example programs (</a:t>
+                <a:t>Run NeoPixel example programs (</a:t>
               </a:r>
               <a:r>
                 <a:rPr lang="en-US" sz="1200" dirty="0" err="1" smtClean="0"/>
@@ -6428,29 +6428,8 @@
               </a:pPr>
               <a:r>
                 <a:rPr lang="en-US" sz="1200" dirty="0" smtClean="0"/>
-                <a:t>Wire button from </a:t>
-              </a:r>
-              <a:r>
-                <a:rPr lang="en-US" sz="1200" dirty="0" smtClean="0"/>
-                <a:t>D2 and D3 </a:t>
-              </a:r>
-              <a:r>
-                <a:rPr lang="en-US" sz="1200" dirty="0" smtClean="0"/>
-                <a:t>(</a:t>
-              </a:r>
-              <a:r>
-                <a:rPr lang="en-US" sz="1200" dirty="0" smtClean="0"/>
-                <a:t>interrupts) </a:t>
-              </a:r>
-              <a:r>
-                <a:rPr lang="en-US" sz="1200" dirty="0" smtClean="0"/>
-                <a:t>to </a:t>
-              </a:r>
-              <a:r>
-                <a:rPr lang="en-US" sz="1200" dirty="0" smtClean="0"/>
-                <a:t>ground through a momentary push button</a:t>
-              </a:r>
-              <a:endParaRPr lang="en-US" sz="1200" dirty="0" smtClean="0"/>
+                <a:t>Wire button from D2 and D3 (interrupts) to ground through a momentary push button</a:t>
+              </a:r>
             </a:p>
             <a:p>
               <a:pPr marL="342900" indent="-342900">
@@ -6469,11 +6448,7 @@
               </a:pPr>
               <a:r>
                 <a:rPr lang="en-US" sz="1200" dirty="0" smtClean="0"/>
-                <a:t>Create your own mode </a:t>
-              </a:r>
-              <a:r>
-                <a:rPr lang="en-US" sz="1200" dirty="0" smtClean="0"/>
-                <a:t>pattern</a:t>
+                <a:t>Create your own mode pattern</a:t>
               </a:r>
             </a:p>
             <a:p>
@@ -6485,7 +6460,6 @@
                 <a:rPr lang="en-US" sz="1200" dirty="0" smtClean="0"/>
                 <a:t>Can you create a game?  Can you trap a moving pixel in a “jail” to get a point?</a:t>
               </a:r>
-              <a:endParaRPr lang="en-US" sz="1200" dirty="0" smtClean="0"/>
             </a:p>
           </p:txBody>
         </p:sp>

--- a/guide/2018-Teacher-Training.pptx
+++ b/guide/2018-Teacher-Training.pptx
@@ -3774,10 +3774,10 @@
         </p:nvGrpSpPr>
         <p:grpSpPr>
           <a:xfrm>
-            <a:off x="1612901" y="775038"/>
-            <a:ext cx="4564063" cy="1153376"/>
-            <a:chOff x="1447800" y="651248"/>
-            <a:chExt cx="4564063" cy="1153376"/>
+            <a:off x="1612901" y="584826"/>
+            <a:ext cx="4564063" cy="1534694"/>
+            <a:chOff x="1447800" y="461036"/>
+            <a:chExt cx="4564063" cy="1534694"/>
           </a:xfrm>
         </p:grpSpPr>
         <p:sp>
@@ -3788,8 +3788,8 @@
           </p:nvSpPr>
           <p:spPr>
             <a:xfrm>
-              <a:off x="1447800" y="742795"/>
-              <a:ext cx="4564063" cy="1061829"/>
+              <a:off x="1447800" y="564569"/>
+              <a:ext cx="4564063" cy="1431161"/>
             </a:xfrm>
             <a:prstGeom prst="rect">
               <a:avLst/>
@@ -3842,8 +3842,16 @@
                 <a:buAutoNum type="arabicPeriod"/>
               </a:pPr>
               <a:r>
+                <a:rPr lang="en-US" sz="1200" dirty="0"/>
+                <a:t>6</a:t>
+              </a:r>
+              <a:r>
                 <a:rPr lang="en-US" sz="1200" dirty="0" smtClean="0"/>
-                <a:t>30 pixel NeoPixel strip with GND (black), 5v (red) and data (yellow)</a:t>
+                <a:t>0 </a:t>
+              </a:r>
+              <a:r>
+                <a:rPr lang="en-US" sz="1200" dirty="0" smtClean="0"/>
+                <a:t>pixel NeoPixel strip with GND (black), 5v (red) and data (yellow)</a:t>
               </a:r>
             </a:p>
             <a:p>
@@ -3853,8 +3861,37 @@
               </a:pPr>
               <a:r>
                 <a:rPr lang="en-US" sz="1200" dirty="0" smtClean="0"/>
-                <a:t>Momentary push buttons and wire</a:t>
-              </a:r>
+                <a:t>2 Momentary </a:t>
+              </a:r>
+              <a:r>
+                <a:rPr lang="en-US" sz="1200" dirty="0" smtClean="0"/>
+                <a:t>push buttons and </a:t>
+              </a:r>
+              <a:r>
+                <a:rPr lang="en-US" sz="1200" dirty="0" smtClean="0"/>
+                <a:t>hookup wire</a:t>
+              </a:r>
+            </a:p>
+            <a:p>
+              <a:pPr marL="228600" indent="-228600">
+                <a:buFont typeface="+mj-lt"/>
+                <a:buAutoNum type="arabicPeriod"/>
+              </a:pPr>
+              <a:r>
+                <a:rPr lang="en-US" sz="1200" dirty="0" smtClean="0"/>
+                <a:t>Wall port to USB 5v adapter</a:t>
+              </a:r>
+            </a:p>
+            <a:p>
+              <a:pPr marL="228600" indent="-228600">
+                <a:buFont typeface="+mj-lt"/>
+                <a:buAutoNum type="arabicPeriod"/>
+              </a:pPr>
+              <a:r>
+                <a:rPr lang="en-US" sz="1200" dirty="0" smtClean="0"/>
+                <a:t>4 AA Battery pack</a:t>
+              </a:r>
+              <a:endParaRPr lang="en-US" sz="1200" dirty="0" smtClean="0"/>
             </a:p>
           </p:txBody>
         </p:sp>
@@ -3866,8 +3903,8 @@
           </p:nvSpPr>
           <p:spPr>
             <a:xfrm>
-              <a:off x="1524000" y="651248"/>
-              <a:ext cx="914400" cy="183093"/>
+              <a:off x="1509047" y="461036"/>
+              <a:ext cx="901699" cy="183093"/>
             </a:xfrm>
             <a:prstGeom prst="roundRect">
               <a:avLst/>
@@ -3916,7 +3953,7 @@
         </p:nvSpPr>
         <p:spPr>
           <a:xfrm>
-            <a:off x="465137" y="2329602"/>
+            <a:off x="412752" y="2426247"/>
             <a:ext cx="4857750" cy="276999"/>
           </a:xfrm>
           <a:prstGeom prst="rect">
@@ -3989,7 +4026,7 @@
         </p:nvSpPr>
         <p:spPr>
           <a:xfrm>
-            <a:off x="536575" y="2198127"/>
+            <a:off x="484190" y="2294772"/>
             <a:ext cx="4029076" cy="183093"/>
           </a:xfrm>
           <a:prstGeom prst="roundRect">
@@ -4466,7 +4503,7 @@
         <p:spPr>
           <a:xfrm>
             <a:off x="412753" y="7058358"/>
-            <a:ext cx="4387848" cy="1336265"/>
+            <a:ext cx="3781423" cy="1372473"/>
           </a:xfrm>
           <a:prstGeom prst="rect">
             <a:avLst/>
@@ -4540,8 +4577,12 @@
               <a:t>Step 5: Run the NeoPixel Example </a:t>
             </a:r>
             <a:r>
+              <a:rPr lang="en-US" sz="1000" dirty="0" err="1"/>
+              <a:t>s</a:t>
+            </a:r>
+            <a:r>
               <a:rPr lang="en-US" sz="1000" dirty="0" err="1" smtClean="0"/>
-              <a:t>Strandtest</a:t>
+              <a:t>trandtest</a:t>
             </a:r>
             <a:endParaRPr lang="en-US" sz="1000" dirty="0"/>
           </a:p>
@@ -4563,8 +4604,8 @@
         </p:blipFill>
         <p:spPr>
           <a:xfrm>
-            <a:off x="1669814" y="7566844"/>
-            <a:ext cx="3035159" cy="754977"/>
+            <a:off x="1465655" y="7528387"/>
+            <a:ext cx="2565656" cy="638191"/>
           </a:xfrm>
           <a:prstGeom prst="rect">
             <a:avLst/>
@@ -4587,8 +4628,8 @@
         </p:blipFill>
         <p:spPr>
           <a:xfrm>
-            <a:off x="527052" y="7261002"/>
-            <a:ext cx="1147761" cy="782866"/>
+            <a:off x="479691" y="7247235"/>
+            <a:ext cx="985964" cy="672507"/>
           </a:xfrm>
           <a:prstGeom prst="rect">
             <a:avLst/>
@@ -4603,8 +4644,8 @@
         </p:nvSpPr>
         <p:spPr>
           <a:xfrm>
-            <a:off x="3585441" y="8001508"/>
-            <a:ext cx="834160" cy="131123"/>
+            <a:off x="3132139" y="7848600"/>
+            <a:ext cx="662779" cy="173079"/>
           </a:xfrm>
           <a:prstGeom prst="ellipse">
             <a:avLst/>
@@ -4813,8 +4854,8 @@
         </p:nvSpPr>
         <p:spPr>
           <a:xfrm>
-            <a:off x="412752" y="5685882"/>
-            <a:ext cx="4235448" cy="1143413"/>
+            <a:off x="412751" y="5685882"/>
+            <a:ext cx="4516126" cy="1143413"/>
           </a:xfrm>
           <a:prstGeom prst="rect">
             <a:avLst/>
@@ -4851,7 +4892,7 @@
         <p:spPr>
           <a:xfrm>
             <a:off x="468313" y="5597717"/>
-            <a:ext cx="3755787" cy="183093"/>
+            <a:ext cx="4332288" cy="183093"/>
           </a:xfrm>
           <a:prstGeom prst="roundRect">
             <a:avLst/>
@@ -4884,7 +4925,15 @@
           <a:p>
             <a:r>
               <a:rPr lang="en-US" sz="1000" dirty="0" smtClean="0"/>
-              <a:t>Step 4: Set the Board to Nano and Port to /dev/cu.wchusbserial1420</a:t>
+              <a:t>Step 4: Set the Board to Nano and Port </a:t>
+            </a:r>
+            <a:r>
+              <a:rPr lang="en-US" sz="1000" smtClean="0"/>
+              <a:t>to </a:t>
+            </a:r>
+            <a:r>
+              <a:rPr lang="en-US" sz="1000" smtClean="0"/>
+              <a:t>COM or /dev/cu.wchusbserial1420</a:t>
             </a:r>
             <a:endParaRPr lang="en-US" sz="1000" dirty="0"/>
           </a:p>
@@ -4994,8 +5043,8 @@
         </p:nvSpPr>
         <p:spPr>
           <a:xfrm>
-            <a:off x="4770793" y="5749594"/>
-            <a:ext cx="1587294" cy="646331"/>
+            <a:off x="4928877" y="5857314"/>
+            <a:ext cx="1633781" cy="900246"/>
           </a:xfrm>
           <a:prstGeom prst="rect">
             <a:avLst/>
@@ -5009,27 +5058,578 @@
           <a:lstStyle/>
           <a:p>
             <a:r>
-              <a:rPr lang="en-US" sz="1200" dirty="0" smtClean="0"/>
+              <a:rPr lang="en-US" sz="1050" dirty="0" smtClean="0"/>
               <a:t>Note on Windows the </a:t>
             </a:r>
             <a:br>
-              <a:rPr lang="en-US" sz="1200" dirty="0" smtClean="0"/>
+              <a:rPr lang="en-US" sz="1050" dirty="0" smtClean="0"/>
             </a:br>
             <a:r>
-              <a:rPr lang="en-US" sz="1200" dirty="0" smtClean="0"/>
+              <a:rPr lang="en-US" sz="1050" dirty="0" smtClean="0"/>
               <a:t>port name is “COM3”</a:t>
             </a:r>
           </a:p>
           <a:p>
             <a:r>
-              <a:rPr lang="en-US" sz="1200" dirty="0"/>
+              <a:rPr lang="en-US" sz="1050" dirty="0"/>
               <a:t>o</a:t>
             </a:r>
             <a:r>
-              <a:rPr lang="en-US" sz="1200" dirty="0" smtClean="0"/>
-              <a:t>r “COM4”</a:t>
-            </a:r>
-            <a:endParaRPr lang="en-US" sz="1200" dirty="0"/>
+              <a:rPr lang="en-US" sz="1050" dirty="0" smtClean="0"/>
+              <a:t>r “COM4</a:t>
+            </a:r>
+            <a:r>
+              <a:rPr lang="en-US" sz="1050" dirty="0" smtClean="0"/>
+              <a:t>”.  On a Mac the</a:t>
+            </a:r>
+          </a:p>
+          <a:p>
+            <a:r>
+              <a:rPr lang="en-US" sz="1050" dirty="0" smtClean="0"/>
+              <a:t>Name will be similar to:</a:t>
+            </a:r>
+          </a:p>
+          <a:p>
+            <a:r>
+              <a:rPr lang="en-US" sz="1050" dirty="0" smtClean="0"/>
+              <a:t>/dev/cu.wchusbserial1420</a:t>
+            </a:r>
+            <a:endParaRPr lang="en-US" sz="1050" dirty="0"/>
+          </a:p>
+        </p:txBody>
+      </p:sp>
+      <p:graphicFrame>
+        <p:nvGraphicFramePr>
+          <p:cNvPr id="31" name="Table 30"/>
+          <p:cNvGraphicFramePr>
+            <a:graphicFrameLocks noGrp="1"/>
+          </p:cNvGraphicFramePr>
+          <p:nvPr>
+            <p:extLst>
+              <p:ext uri="{D42A27DB-BD31-4B8C-83A1-F6EECF244321}">
+                <p14:modId xmlns:p14="http://schemas.microsoft.com/office/powerpoint/2010/main" val="1618451190"/>
+              </p:ext>
+            </p:extLst>
+          </p:nvPr>
+        </p:nvGraphicFramePr>
+        <p:xfrm>
+          <a:off x="4513266" y="6977511"/>
+          <a:ext cx="1833564" cy="1972229"/>
+        </p:xfrm>
+        <a:graphic>
+          <a:graphicData uri="http://schemas.openxmlformats.org/drawingml/2006/table">
+            <a:tbl>
+              <a:tblPr firstRow="1" bandRow="1">
+                <a:tableStyleId>{5C22544A-7EE6-4342-B048-85BDC9FD1C3A}</a:tableStyleId>
+              </a:tblPr>
+              <a:tblGrid>
+                <a:gridCol w="513398"/>
+                <a:gridCol w="401001"/>
+                <a:gridCol w="457200"/>
+                <a:gridCol w="461965"/>
+              </a:tblGrid>
+              <a:tr h="212418">
+                <a:tc>
+                  <a:txBody>
+                    <a:bodyPr/>
+                    <a:lstStyle/>
+                    <a:p>
+                      <a:r>
+                        <a:rPr lang="en-US" sz="800" dirty="0" smtClean="0"/>
+                        <a:t>Name</a:t>
+                      </a:r>
+                      <a:endParaRPr lang="en-US" sz="800" dirty="0"/>
+                    </a:p>
+                  </a:txBody>
+                  <a:tcPr/>
+                </a:tc>
+                <a:tc>
+                  <a:txBody>
+                    <a:bodyPr/>
+                    <a:lstStyle/>
+                    <a:p>
+                      <a:r>
+                        <a:rPr lang="en-US" sz="800" dirty="0" smtClean="0"/>
+                        <a:t>Red</a:t>
+                      </a:r>
+                      <a:endParaRPr lang="en-US" sz="800" dirty="0"/>
+                    </a:p>
+                  </a:txBody>
+                  <a:tcPr/>
+                </a:tc>
+                <a:tc>
+                  <a:txBody>
+                    <a:bodyPr/>
+                    <a:lstStyle/>
+                    <a:p>
+                      <a:r>
+                        <a:rPr lang="en-US" sz="800" dirty="0" smtClean="0"/>
+                        <a:t>Green</a:t>
+                      </a:r>
+                      <a:endParaRPr lang="en-US" sz="800" dirty="0"/>
+                    </a:p>
+                  </a:txBody>
+                  <a:tcPr/>
+                </a:tc>
+                <a:tc>
+                  <a:txBody>
+                    <a:bodyPr/>
+                    <a:lstStyle/>
+                    <a:p>
+                      <a:r>
+                        <a:rPr lang="en-US" sz="800" dirty="0" smtClean="0"/>
+                        <a:t>Blue</a:t>
+                      </a:r>
+                      <a:endParaRPr lang="en-US" sz="800" dirty="0"/>
+                    </a:p>
+                  </a:txBody>
+                  <a:tcPr/>
+                </a:tc>
+              </a:tr>
+              <a:tr h="251267">
+                <a:tc>
+                  <a:txBody>
+                    <a:bodyPr/>
+                    <a:lstStyle/>
+                    <a:p>
+                      <a:r>
+                        <a:rPr lang="en-US" sz="800" dirty="0" smtClean="0"/>
+                        <a:t>Yellow</a:t>
+                      </a:r>
+                      <a:endParaRPr lang="en-US" sz="800" dirty="0"/>
+                    </a:p>
+                  </a:txBody>
+                  <a:tcPr/>
+                </a:tc>
+                <a:tc>
+                  <a:txBody>
+                    <a:bodyPr/>
+                    <a:lstStyle/>
+                    <a:p>
+                      <a:r>
+                        <a:rPr lang="en-US" sz="800" dirty="0" smtClean="0"/>
+                        <a:t>255</a:t>
+                      </a:r>
+                      <a:endParaRPr lang="en-US" sz="800" dirty="0"/>
+                    </a:p>
+                  </a:txBody>
+                  <a:tcPr/>
+                </a:tc>
+                <a:tc>
+                  <a:txBody>
+                    <a:bodyPr/>
+                    <a:lstStyle/>
+                    <a:p>
+                      <a:r>
+                        <a:rPr lang="en-US" sz="800" dirty="0" smtClean="0"/>
+                        <a:t>255</a:t>
+                      </a:r>
+                      <a:endParaRPr lang="en-US" sz="800" dirty="0"/>
+                    </a:p>
+                  </a:txBody>
+                  <a:tcPr/>
+                </a:tc>
+                <a:tc>
+                  <a:txBody>
+                    <a:bodyPr/>
+                    <a:lstStyle/>
+                    <a:p>
+                      <a:r>
+                        <a:rPr lang="en-US" sz="800" dirty="0" smtClean="0"/>
+                        <a:t>0</a:t>
+                      </a:r>
+                      <a:endParaRPr lang="en-US" sz="800" dirty="0"/>
+                    </a:p>
+                  </a:txBody>
+                  <a:tcPr/>
+                </a:tc>
+              </a:tr>
+              <a:tr h="251267">
+                <a:tc>
+                  <a:txBody>
+                    <a:bodyPr/>
+                    <a:lstStyle/>
+                    <a:p>
+                      <a:r>
+                        <a:rPr lang="en-US" sz="800" dirty="0" smtClean="0"/>
+                        <a:t>Purple</a:t>
+                      </a:r>
+                      <a:endParaRPr lang="en-US" sz="800" dirty="0"/>
+                    </a:p>
+                  </a:txBody>
+                  <a:tcPr/>
+                </a:tc>
+                <a:tc>
+                  <a:txBody>
+                    <a:bodyPr/>
+                    <a:lstStyle/>
+                    <a:p>
+                      <a:r>
+                        <a:rPr lang="en-US" sz="800" dirty="0" smtClean="0"/>
+                        <a:t>255</a:t>
+                      </a:r>
+                      <a:endParaRPr lang="en-US" sz="800" dirty="0"/>
+                    </a:p>
+                  </a:txBody>
+                  <a:tcPr/>
+                </a:tc>
+                <a:tc>
+                  <a:txBody>
+                    <a:bodyPr/>
+                    <a:lstStyle/>
+                    <a:p>
+                      <a:r>
+                        <a:rPr lang="en-US" sz="800" dirty="0" smtClean="0"/>
+                        <a:t>0</a:t>
+                      </a:r>
+                      <a:endParaRPr lang="en-US" sz="800" dirty="0"/>
+                    </a:p>
+                  </a:txBody>
+                  <a:tcPr/>
+                </a:tc>
+                <a:tc>
+                  <a:txBody>
+                    <a:bodyPr/>
+                    <a:lstStyle/>
+                    <a:p>
+                      <a:r>
+                        <a:rPr lang="en-US" sz="800" dirty="0" smtClean="0"/>
+                        <a:t>255</a:t>
+                      </a:r>
+                      <a:endParaRPr lang="en-US" sz="800" dirty="0"/>
+                    </a:p>
+                  </a:txBody>
+                  <a:tcPr/>
+                </a:tc>
+              </a:tr>
+              <a:tr h="251267">
+                <a:tc>
+                  <a:txBody>
+                    <a:bodyPr/>
+                    <a:lstStyle/>
+                    <a:p>
+                      <a:r>
+                        <a:rPr lang="en-US" sz="800" dirty="0" smtClean="0"/>
+                        <a:t>Orange</a:t>
+                      </a:r>
+                      <a:endParaRPr lang="en-US" sz="800" dirty="0"/>
+                    </a:p>
+                  </a:txBody>
+                  <a:tcPr/>
+                </a:tc>
+                <a:tc>
+                  <a:txBody>
+                    <a:bodyPr/>
+                    <a:lstStyle/>
+                    <a:p>
+                      <a:r>
+                        <a:rPr lang="en-US" sz="800" dirty="0" smtClean="0"/>
+                        <a:t>255</a:t>
+                      </a:r>
+                      <a:endParaRPr lang="en-US" sz="800" dirty="0"/>
+                    </a:p>
+                  </a:txBody>
+                  <a:tcPr/>
+                </a:tc>
+                <a:tc>
+                  <a:txBody>
+                    <a:bodyPr/>
+                    <a:lstStyle/>
+                    <a:p>
+                      <a:r>
+                        <a:rPr lang="en-US" sz="800" dirty="0" smtClean="0"/>
+                        <a:t>165</a:t>
+                      </a:r>
+                      <a:endParaRPr lang="en-US" sz="800" dirty="0"/>
+                    </a:p>
+                  </a:txBody>
+                  <a:tcPr/>
+                </a:tc>
+                <a:tc>
+                  <a:txBody>
+                    <a:bodyPr/>
+                    <a:lstStyle/>
+                    <a:p>
+                      <a:r>
+                        <a:rPr lang="en-US" sz="800" dirty="0" smtClean="0"/>
+                        <a:t>0</a:t>
+                      </a:r>
+                      <a:endParaRPr lang="en-US" sz="800" dirty="0"/>
+                    </a:p>
+                  </a:txBody>
+                  <a:tcPr/>
+                </a:tc>
+              </a:tr>
+              <a:tr h="251267">
+                <a:tc>
+                  <a:txBody>
+                    <a:bodyPr/>
+                    <a:lstStyle/>
+                    <a:p>
+                      <a:r>
+                        <a:rPr lang="en-US" sz="800" dirty="0" smtClean="0"/>
+                        <a:t>Pink</a:t>
+                      </a:r>
+                      <a:endParaRPr lang="en-US" sz="800" dirty="0"/>
+                    </a:p>
+                  </a:txBody>
+                  <a:tcPr/>
+                </a:tc>
+                <a:tc>
+                  <a:txBody>
+                    <a:bodyPr/>
+                    <a:lstStyle/>
+                    <a:p>
+                      <a:r>
+                        <a:rPr lang="en-US" sz="800" dirty="0" smtClean="0"/>
+                        <a:t>255</a:t>
+                      </a:r>
+                      <a:endParaRPr lang="en-US" sz="800" dirty="0"/>
+                    </a:p>
+                  </a:txBody>
+                  <a:tcPr/>
+                </a:tc>
+                <a:tc>
+                  <a:txBody>
+                    <a:bodyPr/>
+                    <a:lstStyle/>
+                    <a:p>
+                      <a:r>
+                        <a:rPr lang="en-US" sz="800" dirty="0" smtClean="0"/>
+                        <a:t>200</a:t>
+                      </a:r>
+                      <a:endParaRPr lang="en-US" sz="800" dirty="0"/>
+                    </a:p>
+                  </a:txBody>
+                  <a:tcPr/>
+                </a:tc>
+                <a:tc>
+                  <a:txBody>
+                    <a:bodyPr/>
+                    <a:lstStyle/>
+                    <a:p>
+                      <a:r>
+                        <a:rPr lang="en-US" sz="800" dirty="0" smtClean="0"/>
+                        <a:t>200</a:t>
+                      </a:r>
+                      <a:endParaRPr lang="en-US" sz="800" dirty="0"/>
+                    </a:p>
+                  </a:txBody>
+                  <a:tcPr/>
+                </a:tc>
+              </a:tr>
+              <a:tr h="251267">
+                <a:tc>
+                  <a:txBody>
+                    <a:bodyPr/>
+                    <a:lstStyle/>
+                    <a:p>
+                      <a:r>
+                        <a:rPr lang="en-US" sz="800" dirty="0" smtClean="0"/>
+                        <a:t>Violet</a:t>
+                      </a:r>
+                      <a:endParaRPr lang="en-US" sz="800" dirty="0"/>
+                    </a:p>
+                  </a:txBody>
+                  <a:tcPr/>
+                </a:tc>
+                <a:tc>
+                  <a:txBody>
+                    <a:bodyPr/>
+                    <a:lstStyle/>
+                    <a:p>
+                      <a:r>
+                        <a:rPr lang="en-US" sz="800" dirty="0" smtClean="0"/>
+                        <a:t>230</a:t>
+                      </a:r>
+                      <a:endParaRPr lang="en-US" sz="800" dirty="0"/>
+                    </a:p>
+                  </a:txBody>
+                  <a:tcPr/>
+                </a:tc>
+                <a:tc>
+                  <a:txBody>
+                    <a:bodyPr/>
+                    <a:lstStyle/>
+                    <a:p>
+                      <a:r>
+                        <a:rPr lang="en-US" sz="800" dirty="0" smtClean="0"/>
+                        <a:t>130</a:t>
+                      </a:r>
+                      <a:endParaRPr lang="en-US" sz="800" dirty="0"/>
+                    </a:p>
+                  </a:txBody>
+                  <a:tcPr/>
+                </a:tc>
+                <a:tc>
+                  <a:txBody>
+                    <a:bodyPr/>
+                    <a:lstStyle/>
+                    <a:p>
+                      <a:r>
+                        <a:rPr lang="en-US" sz="800" dirty="0" smtClean="0"/>
+                        <a:t>230</a:t>
+                      </a:r>
+                      <a:endParaRPr lang="en-US" sz="800" dirty="0"/>
+                    </a:p>
+                  </a:txBody>
+                  <a:tcPr/>
+                </a:tc>
+              </a:tr>
+              <a:tr h="251267">
+                <a:tc>
+                  <a:txBody>
+                    <a:bodyPr/>
+                    <a:lstStyle/>
+                    <a:p>
+                      <a:r>
+                        <a:rPr lang="en-US" sz="800" dirty="0" smtClean="0"/>
+                        <a:t>Gold</a:t>
+                      </a:r>
+                      <a:endParaRPr lang="en-US" sz="800" dirty="0"/>
+                    </a:p>
+                  </a:txBody>
+                  <a:tcPr/>
+                </a:tc>
+                <a:tc>
+                  <a:txBody>
+                    <a:bodyPr/>
+                    <a:lstStyle/>
+                    <a:p>
+                      <a:r>
+                        <a:rPr lang="en-US" sz="800" dirty="0" smtClean="0"/>
+                        <a:t>255</a:t>
+                      </a:r>
+                      <a:endParaRPr lang="en-US" sz="800" dirty="0"/>
+                    </a:p>
+                  </a:txBody>
+                  <a:tcPr/>
+                </a:tc>
+                <a:tc>
+                  <a:txBody>
+                    <a:bodyPr/>
+                    <a:lstStyle/>
+                    <a:p>
+                      <a:r>
+                        <a:rPr lang="en-US" sz="800" dirty="0" smtClean="0"/>
+                        <a:t>215</a:t>
+                      </a:r>
+                      <a:endParaRPr lang="en-US" sz="800" dirty="0"/>
+                    </a:p>
+                  </a:txBody>
+                  <a:tcPr/>
+                </a:tc>
+                <a:tc>
+                  <a:txBody>
+                    <a:bodyPr/>
+                    <a:lstStyle/>
+                    <a:p>
+                      <a:r>
+                        <a:rPr lang="en-US" sz="800" dirty="0" smtClean="0"/>
+                        <a:t>0</a:t>
+                      </a:r>
+                      <a:endParaRPr lang="en-US" sz="800" dirty="0"/>
+                    </a:p>
+                  </a:txBody>
+                  <a:tcPr/>
+                </a:tc>
+              </a:tr>
+              <a:tr h="251267">
+                <a:tc>
+                  <a:txBody>
+                    <a:bodyPr/>
+                    <a:lstStyle/>
+                    <a:p>
+                      <a:r>
+                        <a:rPr lang="en-US" sz="800" dirty="0" smtClean="0"/>
+                        <a:t>Cyan</a:t>
+                      </a:r>
+                      <a:endParaRPr lang="en-US" sz="800" dirty="0"/>
+                    </a:p>
+                  </a:txBody>
+                  <a:tcPr/>
+                </a:tc>
+                <a:tc>
+                  <a:txBody>
+                    <a:bodyPr/>
+                    <a:lstStyle/>
+                    <a:p>
+                      <a:r>
+                        <a:rPr lang="en-US" sz="800" dirty="0" smtClean="0"/>
+                        <a:t>0</a:t>
+                      </a:r>
+                      <a:endParaRPr lang="en-US" sz="800" dirty="0"/>
+                    </a:p>
+                  </a:txBody>
+                  <a:tcPr/>
+                </a:tc>
+                <a:tc>
+                  <a:txBody>
+                    <a:bodyPr/>
+                    <a:lstStyle/>
+                    <a:p>
+                      <a:r>
+                        <a:rPr lang="en-US" sz="800" dirty="0" smtClean="0"/>
+                        <a:t>255</a:t>
+                      </a:r>
+                      <a:endParaRPr lang="en-US" sz="800" dirty="0"/>
+                    </a:p>
+                  </a:txBody>
+                  <a:tcPr/>
+                </a:tc>
+                <a:tc>
+                  <a:txBody>
+                    <a:bodyPr/>
+                    <a:lstStyle/>
+                    <a:p>
+                      <a:r>
+                        <a:rPr lang="en-US" sz="800" dirty="0" smtClean="0"/>
+                        <a:t>255</a:t>
+                      </a:r>
+                      <a:endParaRPr lang="en-US" sz="800" dirty="0"/>
+                    </a:p>
+                  </a:txBody>
+                  <a:tcPr/>
+                </a:tc>
+              </a:tr>
+            </a:tbl>
+          </a:graphicData>
+        </a:graphic>
+      </p:graphicFrame>
+      <p:sp>
+        <p:nvSpPr>
+          <p:cNvPr id="32" name="TextBox 31"/>
+          <p:cNvSpPr txBox="1"/>
+          <p:nvPr/>
+        </p:nvSpPr>
+        <p:spPr>
+          <a:xfrm>
+            <a:off x="438150" y="7993373"/>
+            <a:ext cx="1289135" cy="430887"/>
+          </a:xfrm>
+          <a:prstGeom prst="rect">
+            <a:avLst/>
+          </a:prstGeom>
+          <a:noFill/>
+        </p:spPr>
+        <p:txBody>
+          <a:bodyPr wrap="none" rtlCol="0">
+            <a:spAutoFit/>
+          </a:bodyPr>
+          <a:lstStyle/>
+          <a:p>
+            <a:r>
+              <a:rPr lang="en-US" sz="1100" smtClean="0"/>
+              <a:t>PIN = 12</a:t>
+            </a:r>
+            <a:endParaRPr lang="en-US" sz="1100" dirty="0" smtClean="0"/>
+          </a:p>
+          <a:p>
+            <a:r>
+              <a:rPr lang="en-US" sz="1100" dirty="0" smtClean="0"/>
+              <a:t>Number Pixels = 60</a:t>
+            </a:r>
+            <a:endParaRPr lang="en-US" sz="1100" dirty="0"/>
           </a:p>
         </p:txBody>
       </p:sp>
@@ -5175,16 +5775,10 @@
                 <a:rPr lang="en-US" sz="1200" dirty="0" smtClean="0">
                   <a:latin typeface="Arial Narrow" pitchFamily="34" charset="0"/>
                 </a:rPr>
-                <a:t>#define </a:t>
-              </a:r>
-              <a:r>
-                <a:rPr lang="en-US" sz="1200" smtClean="0">
-                  <a:latin typeface="Arial Narrow" pitchFamily="34" charset="0"/>
-                </a:rPr>
-                <a:t>NUMBER_PIXELS </a:t>
-              </a:r>
-              <a:r>
-                <a:rPr lang="en-US" sz="1200" smtClean="0">
+                <a:t>#define NUMBER_PIXELS </a:t>
+              </a:r>
+              <a:r>
+                <a:rPr lang="en-US" sz="1200" dirty="0" smtClean="0">
                   <a:latin typeface="Arial Narrow" pitchFamily="34" charset="0"/>
                 </a:rPr>
                 <a:t>60 </a:t>
@@ -6270,9 +6864,9 @@
         <p:grpSpPr>
           <a:xfrm>
             <a:off x="313962" y="5715000"/>
-            <a:ext cx="6019800" cy="2478927"/>
+            <a:ext cx="6019800" cy="3402257"/>
             <a:chOff x="640987" y="7881107"/>
-            <a:chExt cx="6019800" cy="2478927"/>
+            <a:chExt cx="6019800" cy="3402257"/>
           </a:xfrm>
         </p:grpSpPr>
         <p:sp>
@@ -6284,7 +6878,7 @@
           <p:spPr>
             <a:xfrm>
               <a:off x="640987" y="7959377"/>
-              <a:ext cx="6019800" cy="2400657"/>
+              <a:ext cx="6019800" cy="3323987"/>
             </a:xfrm>
             <a:prstGeom prst="rect">
               <a:avLst/>
@@ -6334,7 +6928,11 @@
               </a:pPr>
               <a:r>
                 <a:rPr lang="en-US" sz="1200" dirty="0" smtClean="0"/>
-                <a:t>Change the speed of flashing to be 1/10</a:t>
+                <a:t>Change the speed of flashing to be </a:t>
+              </a:r>
+              <a:r>
+                <a:rPr lang="en-US" sz="1200" dirty="0" smtClean="0"/>
+                <a:t>1/50</a:t>
               </a:r>
               <a:r>
                 <a:rPr lang="en-US" sz="1200" baseline="30000" dirty="0" smtClean="0"/>
@@ -6342,7 +6940,27 @@
               </a:r>
               <a:r>
                 <a:rPr lang="en-US" sz="1200" dirty="0" smtClean="0"/>
-                <a:t> of a second on and 1/10th of a second off</a:t>
+                <a:t> </a:t>
+              </a:r>
+              <a:r>
+                <a:rPr lang="en-US" sz="1200" dirty="0" smtClean="0"/>
+                <a:t>of a second on and </a:t>
+              </a:r>
+              <a:r>
+                <a:rPr lang="en-US" sz="1200" dirty="0" smtClean="0"/>
+                <a:t>1/50</a:t>
+              </a:r>
+              <a:r>
+                <a:rPr lang="en-US" sz="1200" baseline="30000" dirty="0" smtClean="0"/>
+                <a:t>th</a:t>
+              </a:r>
+              <a:r>
+                <a:rPr lang="en-US" sz="1200" dirty="0" smtClean="0"/>
+                <a:t> of </a:t>
+              </a:r>
+              <a:r>
+                <a:rPr lang="en-US" sz="1200" dirty="0" smtClean="0"/>
+                <a:t>a second off</a:t>
               </a:r>
             </a:p>
             <a:p>
@@ -6372,7 +6990,19 @@
               </a:pPr>
               <a:r>
                 <a:rPr lang="en-US" sz="1200" dirty="0" smtClean="0"/>
-                <a:t>Run NeoPixel example programs (</a:t>
+                <a:t>Run </a:t>
+              </a:r>
+              <a:r>
+                <a:rPr lang="en-US" sz="1200" dirty="0" smtClean="0"/>
+                <a:t>the other NeoPixel </a:t>
+              </a:r>
+              <a:r>
+                <a:rPr lang="en-US" sz="1200" dirty="0" smtClean="0"/>
+                <a:t>example programs </a:t>
+              </a:r>
+              <a:r>
+                <a:rPr lang="en-US" sz="1200" dirty="0" smtClean="0"/>
+                <a:t>(like </a:t>
               </a:r>
               <a:r>
                 <a:rPr lang="en-US" sz="1200" dirty="0" err="1" smtClean="0"/>
@@ -6390,8 +7020,13 @@
               </a:pPr>
               <a:r>
                 <a:rPr lang="en-US" sz="1200" dirty="0" smtClean="0"/>
-                <a:t>Find Moving Rainbow examples</a:t>
-              </a:r>
+                <a:t>Find Moving Rainbow </a:t>
+              </a:r>
+              <a:r>
+                <a:rPr lang="en-US" sz="1200" dirty="0" smtClean="0"/>
+                <a:t>examples </a:t>
+              </a:r>
+              <a:endParaRPr lang="en-US" sz="1200" dirty="0" smtClean="0"/>
             </a:p>
             <a:p>
               <a:pPr marL="342900" indent="-342900">
@@ -6418,7 +7053,15 @@
               </a:r>
               <a:r>
                 <a:rPr lang="en-US" sz="1200" dirty="0" smtClean="0"/>
-                <a:t> find mini-maker-fair LED strip two buttons program</a:t>
+                <a:t> find </a:t>
+              </a:r>
+              <a:r>
+                <a:rPr lang="en-US" sz="1200" dirty="0" smtClean="0"/>
+                <a:t>hackday-2018 </a:t>
+              </a:r>
+              <a:r>
+                <a:rPr lang="en-US" sz="1200" dirty="0" smtClean="0"/>
+                <a:t>LED strip two buttons program</a:t>
               </a:r>
             </a:p>
             <a:p>
@@ -6458,7 +7101,66 @@
               </a:pPr>
               <a:r>
                 <a:rPr lang="en-US" sz="1200" dirty="0" smtClean="0"/>
-                <a:t>Can you create a game?  Can you trap a moving pixel in a “jail” to get a point?</a:t>
+                <a:t>Can you create a game?  Can you trap a moving pixel in a “jail” to get a point</a:t>
+              </a:r>
+              <a:r>
+                <a:rPr lang="en-US" sz="1200" dirty="0" smtClean="0"/>
+                <a:t>?</a:t>
+              </a:r>
+            </a:p>
+            <a:p>
+              <a:pPr marL="342900" indent="-342900">
+                <a:buFont typeface="+mj-lt"/>
+                <a:buAutoNum type="arabicPeriod"/>
+              </a:pPr>
+              <a:r>
+                <a:rPr lang="en-US" sz="1200" dirty="0" smtClean="0"/>
+                <a:t>Can you make a single LED “dot” go half way down the strip and change direction?</a:t>
+              </a:r>
+            </a:p>
+            <a:p>
+              <a:pPr marL="342900" indent="-342900">
+                <a:buFont typeface="+mj-lt"/>
+                <a:buAutoNum type="arabicPeriod"/>
+              </a:pPr>
+              <a:r>
+                <a:rPr lang="en-US" sz="1200" dirty="0"/>
+                <a:t>Look up  “Arduino </a:t>
+              </a:r>
+              <a:r>
+                <a:rPr lang="en-US" sz="1200" dirty="0" smtClean="0"/>
+                <a:t>denouncing”.  Can you find the debounce code in the examples?  What is the </a:t>
+              </a:r>
+              <a:endParaRPr lang="en-US" sz="1200" dirty="0"/>
+            </a:p>
+            <a:p>
+              <a:pPr marL="342900" indent="-342900">
+                <a:buFont typeface="+mj-lt"/>
+                <a:buAutoNum type="arabicPeriod"/>
+              </a:pPr>
+              <a:r>
+                <a:rPr lang="en-US" sz="1200" dirty="0" smtClean="0"/>
+                <a:t>Look up</a:t>
+              </a:r>
+              <a:r>
+                <a:rPr lang="en-US" sz="1200" dirty="0" smtClean="0"/>
+                <a:t> Arduino Interrupt </a:t>
+              </a:r>
+              <a:r>
+                <a:rPr lang="en-US" sz="1200" dirty="0"/>
+                <a:t>S</a:t>
+              </a:r>
+              <a:r>
+                <a:rPr lang="en-US" sz="1200" dirty="0" smtClean="0"/>
+                <a:t>ervice </a:t>
+              </a:r>
+              <a:r>
+                <a:rPr lang="en-US" sz="1200" dirty="0"/>
+                <a:t>R</a:t>
+              </a:r>
+              <a:r>
+                <a:rPr lang="en-US" sz="1200" dirty="0" smtClean="0"/>
+                <a:t>outine on the internet.  Find the ISR in the example code.</a:t>
               </a:r>
             </a:p>
           </p:txBody>

--- a/guide/2018-Teacher-Training.pptx
+++ b/guide/2018-Teacher-Training.pptx
@@ -209,7 +209,7 @@
           <a:p>
             <a:fld id="{BEC7F16E-4C38-1E41-84AF-AA19D4DCBAA8}" type="datetimeFigureOut">
               <a:rPr lang="en-US" smtClean="0"/>
-              <a:t>10/14/18</a:t>
+              <a:t>10/27/18</a:t>
             </a:fld>
             <a:endParaRPr lang="en-US"/>
           </a:p>
@@ -742,7 +742,7 @@
           <a:p>
             <a:fld id="{3CA7CF7C-1FA5-40F9-B14A-8E1D58938A8E}" type="datetimeFigureOut">
               <a:rPr lang="en-US" smtClean="0"/>
-              <a:t>10/14/18</a:t>
+              <a:t>10/27/18</a:t>
             </a:fld>
             <a:endParaRPr lang="en-US"/>
           </a:p>
@@ -907,7 +907,7 @@
           <a:p>
             <a:fld id="{3CA7CF7C-1FA5-40F9-B14A-8E1D58938A8E}" type="datetimeFigureOut">
               <a:rPr lang="en-US" smtClean="0"/>
-              <a:t>10/14/18</a:t>
+              <a:t>10/27/18</a:t>
             </a:fld>
             <a:endParaRPr lang="en-US"/>
           </a:p>
@@ -1082,7 +1082,7 @@
           <a:p>
             <a:fld id="{3CA7CF7C-1FA5-40F9-B14A-8E1D58938A8E}" type="datetimeFigureOut">
               <a:rPr lang="en-US" smtClean="0"/>
-              <a:t>10/14/18</a:t>
+              <a:t>10/27/18</a:t>
             </a:fld>
             <a:endParaRPr lang="en-US"/>
           </a:p>
@@ -1247,7 +1247,7 @@
           <a:p>
             <a:fld id="{3CA7CF7C-1FA5-40F9-B14A-8E1D58938A8E}" type="datetimeFigureOut">
               <a:rPr lang="en-US" smtClean="0"/>
-              <a:t>10/14/18</a:t>
+              <a:t>10/27/18</a:t>
             </a:fld>
             <a:endParaRPr lang="en-US"/>
           </a:p>
@@ -1488,7 +1488,7 @@
           <a:p>
             <a:fld id="{3CA7CF7C-1FA5-40F9-B14A-8E1D58938A8E}" type="datetimeFigureOut">
               <a:rPr lang="en-US" smtClean="0"/>
-              <a:t>10/14/18</a:t>
+              <a:t>10/27/18</a:t>
             </a:fld>
             <a:endParaRPr lang="en-US"/>
           </a:p>
@@ -1771,7 +1771,7 @@
           <a:p>
             <a:fld id="{3CA7CF7C-1FA5-40F9-B14A-8E1D58938A8E}" type="datetimeFigureOut">
               <a:rPr lang="en-US" smtClean="0"/>
-              <a:t>10/14/18</a:t>
+              <a:t>10/27/18</a:t>
             </a:fld>
             <a:endParaRPr lang="en-US"/>
           </a:p>
@@ -2193,7 +2193,7 @@
           <a:p>
             <a:fld id="{3CA7CF7C-1FA5-40F9-B14A-8E1D58938A8E}" type="datetimeFigureOut">
               <a:rPr lang="en-US" smtClean="0"/>
-              <a:t>10/14/18</a:t>
+              <a:t>10/27/18</a:t>
             </a:fld>
             <a:endParaRPr lang="en-US"/>
           </a:p>
@@ -2306,7 +2306,7 @@
           <a:p>
             <a:fld id="{3CA7CF7C-1FA5-40F9-B14A-8E1D58938A8E}" type="datetimeFigureOut">
               <a:rPr lang="en-US" smtClean="0"/>
-              <a:t>10/14/18</a:t>
+              <a:t>10/27/18</a:t>
             </a:fld>
             <a:endParaRPr lang="en-US"/>
           </a:p>
@@ -2396,7 +2396,7 @@
           <a:p>
             <a:fld id="{3CA7CF7C-1FA5-40F9-B14A-8E1D58938A8E}" type="datetimeFigureOut">
               <a:rPr lang="en-US" smtClean="0"/>
-              <a:t>10/14/18</a:t>
+              <a:t>10/27/18</a:t>
             </a:fld>
             <a:endParaRPr lang="en-US"/>
           </a:p>
@@ -2668,7 +2668,7 @@
           <a:p>
             <a:fld id="{3CA7CF7C-1FA5-40F9-B14A-8E1D58938A8E}" type="datetimeFigureOut">
               <a:rPr lang="en-US" smtClean="0"/>
-              <a:t>10/14/18</a:t>
+              <a:t>10/27/18</a:t>
             </a:fld>
             <a:endParaRPr lang="en-US"/>
           </a:p>
@@ -2916,7 +2916,7 @@
           <a:p>
             <a:fld id="{3CA7CF7C-1FA5-40F9-B14A-8E1D58938A8E}" type="datetimeFigureOut">
               <a:rPr lang="en-US" smtClean="0"/>
-              <a:t>10/14/18</a:t>
+              <a:t>10/27/18</a:t>
             </a:fld>
             <a:endParaRPr lang="en-US"/>
           </a:p>
@@ -3124,7 +3124,7 @@
           <a:p>
             <a:fld id="{3CA7CF7C-1FA5-40F9-B14A-8E1D58938A8E}" type="datetimeFigureOut">
               <a:rPr lang="en-US" smtClean="0"/>
-              <a:t>10/14/18</a:t>
+              <a:t>10/27/18</a:t>
             </a:fld>
             <a:endParaRPr lang="en-US"/>
           </a:p>
@@ -3847,11 +3847,7 @@
               </a:r>
               <a:r>
                 <a:rPr lang="en-US" sz="1200" dirty="0" smtClean="0"/>
-                <a:t>0 </a:t>
-              </a:r>
-              <a:r>
-                <a:rPr lang="en-US" sz="1200" dirty="0" smtClean="0"/>
-                <a:t>pixel NeoPixel strip with GND (black), 5v (red) and data (yellow)</a:t>
+                <a:t>0 pixel NeoPixel strip with GND (black), 5v (red) and data (yellow)</a:t>
               </a:r>
             </a:p>
             <a:p>
@@ -3861,15 +3857,7 @@
               </a:pPr>
               <a:r>
                 <a:rPr lang="en-US" sz="1200" dirty="0" smtClean="0"/>
-                <a:t>2 Momentary </a:t>
-              </a:r>
-              <a:r>
-                <a:rPr lang="en-US" sz="1200" dirty="0" smtClean="0"/>
-                <a:t>push buttons and </a:t>
-              </a:r>
-              <a:r>
-                <a:rPr lang="en-US" sz="1200" dirty="0" smtClean="0"/>
-                <a:t>hookup wire</a:t>
+                <a:t>2 Momentary push buttons and hookup wire</a:t>
               </a:r>
             </a:p>
             <a:p>
@@ -3889,7 +3877,11 @@
               </a:pPr>
               <a:r>
                 <a:rPr lang="en-US" sz="1200" dirty="0" smtClean="0"/>
-                <a:t>4 AA Battery pack</a:t>
+                <a:t>Battery pack </a:t>
+              </a:r>
+              <a:r>
+                <a:rPr lang="en-US" sz="1200" smtClean="0"/>
+                <a:t>with switch</a:t>
               </a:r>
               <a:endParaRPr lang="en-US" sz="1200" dirty="0" smtClean="0"/>
             </a:p>
@@ -4929,11 +4921,7 @@
             </a:r>
             <a:r>
               <a:rPr lang="en-US" sz="1000" smtClean="0"/>
-              <a:t>to </a:t>
-            </a:r>
-            <a:r>
-              <a:rPr lang="en-US" sz="1000" smtClean="0"/>
-              <a:t>COM or /dev/cu.wchusbserial1420</a:t>
+              <a:t>to COM or /dev/cu.wchusbserial1420</a:t>
             </a:r>
             <a:endParaRPr lang="en-US" sz="1000" dirty="0"/>
           </a:p>
@@ -5076,11 +5064,7 @@
             </a:r>
             <a:r>
               <a:rPr lang="en-US" sz="1050" dirty="0" smtClean="0"/>
-              <a:t>r “COM4</a:t>
-            </a:r>
-            <a:r>
-              <a:rPr lang="en-US" sz="1050" dirty="0" smtClean="0"/>
-              <a:t>”.  On a Mac the</a:t>
+              <a:t>r “COM4”.  On a Mac the</a:t>
             </a:r>
           </a:p>
           <a:p>
@@ -5775,19 +5759,7 @@
                 <a:rPr lang="en-US" sz="1200" dirty="0" smtClean="0">
                   <a:latin typeface="Arial Narrow" pitchFamily="34" charset="0"/>
                 </a:rPr>
-                <a:t>#define NUMBER_PIXELS </a:t>
-              </a:r>
-              <a:r>
-                <a:rPr lang="en-US" sz="1200" dirty="0" smtClean="0">
-                  <a:latin typeface="Arial Narrow" pitchFamily="34" charset="0"/>
-                </a:rPr>
-                <a:t>60 </a:t>
-              </a:r>
-              <a:r>
-                <a:rPr lang="en-US" sz="1200" dirty="0" smtClean="0">
-                  <a:latin typeface="Arial Narrow" pitchFamily="34" charset="0"/>
-                </a:rPr>
-                <a:t>/</a:t>
+                <a:t>#define NUMBER_PIXELS 60 /</a:t>
               </a:r>
               <a:r>
                 <a:rPr lang="en-US" sz="1200" dirty="0">
@@ -6928,11 +6900,7 @@
               </a:pPr>
               <a:r>
                 <a:rPr lang="en-US" sz="1200" dirty="0" smtClean="0"/>
-                <a:t>Change the speed of flashing to be </a:t>
-              </a:r>
-              <a:r>
-                <a:rPr lang="en-US" sz="1200" dirty="0" smtClean="0"/>
-                <a:t>1/50</a:t>
+                <a:t>Change the speed of flashing to be 1/50</a:t>
               </a:r>
               <a:r>
                 <a:rPr lang="en-US" sz="1200" baseline="30000" dirty="0" smtClean="0"/>
@@ -6940,15 +6908,7 @@
               </a:r>
               <a:r>
                 <a:rPr lang="en-US" sz="1200" dirty="0" smtClean="0"/>
-                <a:t> </a:t>
-              </a:r>
-              <a:r>
-                <a:rPr lang="en-US" sz="1200" dirty="0" smtClean="0"/>
-                <a:t>of a second on and </a:t>
-              </a:r>
-              <a:r>
-                <a:rPr lang="en-US" sz="1200" dirty="0" smtClean="0"/>
-                <a:t>1/50</a:t>
+                <a:t> of a second on and 1/50</a:t>
               </a:r>
               <a:r>
                 <a:rPr lang="en-US" sz="1200" baseline="30000" dirty="0" smtClean="0"/>
@@ -6956,11 +6916,7 @@
               </a:r>
               <a:r>
                 <a:rPr lang="en-US" sz="1200" dirty="0" smtClean="0"/>
-                <a:t> of </a:t>
-              </a:r>
-              <a:r>
-                <a:rPr lang="en-US" sz="1200" dirty="0" smtClean="0"/>
-                <a:t>a second off</a:t>
+                <a:t> of a second off</a:t>
               </a:r>
             </a:p>
             <a:p>
@@ -6990,19 +6946,7 @@
               </a:pPr>
               <a:r>
                 <a:rPr lang="en-US" sz="1200" dirty="0" smtClean="0"/>
-                <a:t>Run </a:t>
-              </a:r>
-              <a:r>
-                <a:rPr lang="en-US" sz="1200" dirty="0" smtClean="0"/>
-                <a:t>the other NeoPixel </a:t>
-              </a:r>
-              <a:r>
-                <a:rPr lang="en-US" sz="1200" dirty="0" smtClean="0"/>
-                <a:t>example programs </a:t>
-              </a:r>
-              <a:r>
-                <a:rPr lang="en-US" sz="1200" dirty="0" smtClean="0"/>
-                <a:t>(like </a:t>
+                <a:t>Run the other NeoPixel example programs (like </a:t>
               </a:r>
               <a:r>
                 <a:rPr lang="en-US" sz="1200" dirty="0" err="1" smtClean="0"/>
@@ -7020,13 +6964,8 @@
               </a:pPr>
               <a:r>
                 <a:rPr lang="en-US" sz="1200" dirty="0" smtClean="0"/>
-                <a:t>Find Moving Rainbow </a:t>
-              </a:r>
-              <a:r>
-                <a:rPr lang="en-US" sz="1200" dirty="0" smtClean="0"/>
-                <a:t>examples </a:t>
-              </a:r>
-              <a:endParaRPr lang="en-US" sz="1200" dirty="0" smtClean="0"/>
+                <a:t>Find Moving Rainbow examples </a:t>
+              </a:r>
             </a:p>
             <a:p>
               <a:pPr marL="342900" indent="-342900">
@@ -7053,15 +6992,7 @@
               </a:r>
               <a:r>
                 <a:rPr lang="en-US" sz="1200" dirty="0" smtClean="0"/>
-                <a:t> find </a:t>
-              </a:r>
-              <a:r>
-                <a:rPr lang="en-US" sz="1200" dirty="0" smtClean="0"/>
-                <a:t>hackday-2018 </a:t>
-              </a:r>
-              <a:r>
-                <a:rPr lang="en-US" sz="1200" dirty="0" smtClean="0"/>
-                <a:t>LED strip two buttons program</a:t>
+                <a:t> find hackday-2018 LED strip two buttons program</a:t>
               </a:r>
             </a:p>
             <a:p>
@@ -7101,11 +7032,7 @@
               </a:pPr>
               <a:r>
                 <a:rPr lang="en-US" sz="1200" dirty="0" smtClean="0"/>
-                <a:t>Can you create a game?  Can you trap a moving pixel in a “jail” to get a point</a:t>
-              </a:r>
-              <a:r>
-                <a:rPr lang="en-US" sz="1200" dirty="0" smtClean="0"/>
-                <a:t>?</a:t>
+                <a:t>Can you create a game?  Can you trap a moving pixel in a “jail” to get a point?</a:t>
               </a:r>
             </a:p>
             <a:p>
@@ -7140,11 +7067,7 @@
               </a:pPr>
               <a:r>
                 <a:rPr lang="en-US" sz="1200" dirty="0" smtClean="0"/>
-                <a:t>Look up</a:t>
-              </a:r>
-              <a:r>
-                <a:rPr lang="en-US" sz="1200" dirty="0" smtClean="0"/>
-                <a:t> Arduino Interrupt </a:t>
+                <a:t>Look up Arduino Interrupt </a:t>
               </a:r>
               <a:r>
                 <a:rPr lang="en-US" sz="1200" dirty="0"/>
